--- a/SensuChecks.pptx
+++ b/SensuChecks.pptx
@@ -5,7 +5,7 @@
     <p:sldMasterId id="2147483648" r:id="rId1"/>
   </p:sldMasterIdLst>
   <p:notesMasterIdLst>
-    <p:notesMasterId r:id="rId19"/>
+    <p:notesMasterId r:id="rId21"/>
   </p:notesMasterIdLst>
   <p:sldIdLst>
     <p:sldId id="256" r:id="rId2"/>
@@ -20,11 +20,13 @@
     <p:sldId id="287" r:id="rId11"/>
     <p:sldId id="290" r:id="rId12"/>
     <p:sldId id="291" r:id="rId13"/>
-    <p:sldId id="298" r:id="rId14"/>
-    <p:sldId id="299" r:id="rId15"/>
-    <p:sldId id="300" r:id="rId16"/>
-    <p:sldId id="293" r:id="rId17"/>
-    <p:sldId id="292" r:id="rId18"/>
+    <p:sldId id="299" r:id="rId14"/>
+    <p:sldId id="300" r:id="rId15"/>
+    <p:sldId id="293" r:id="rId16"/>
+    <p:sldId id="292" r:id="rId17"/>
+    <p:sldId id="302" r:id="rId18"/>
+    <p:sldId id="301" r:id="rId19"/>
+    <p:sldId id="303" r:id="rId20"/>
   </p:sldIdLst>
   <p:sldSz cx="12192000" cy="6858000"/>
   <p:notesSz cx="6858000" cy="9144000"/>
@@ -213,7 +215,7 @@
           <a:p>
             <a:fld id="{9EF83B80-A92F-7845-8BC4-DA9E7876C384}" type="datetimeFigureOut">
               <a:rPr lang="en-US" smtClean="0"/>
-              <a:t>1/26/17</a:t>
+              <a:t>1/27/17</a:t>
             </a:fld>
             <a:endParaRPr lang="en-US"/>
           </a:p>
@@ -891,7 +893,7 @@
     </p:spTree>
     <p:extLst>
       <p:ext uri="{BB962C8B-B14F-4D97-AF65-F5344CB8AC3E}">
-        <p14:creationId xmlns:p14="http://schemas.microsoft.com/office/powerpoint/2010/main" val="23258111"/>
+        <p14:creationId xmlns:p14="http://schemas.microsoft.com/office/powerpoint/2010/main" val="1661478932"/>
       </p:ext>
     </p:extLst>
   </p:cSld>
@@ -975,7 +977,7 @@
     </p:spTree>
     <p:extLst>
       <p:ext uri="{BB962C8B-B14F-4D97-AF65-F5344CB8AC3E}">
-        <p14:creationId xmlns:p14="http://schemas.microsoft.com/office/powerpoint/2010/main" val="1661478932"/>
+        <p14:creationId xmlns:p14="http://schemas.microsoft.com/office/powerpoint/2010/main" val="1658620979"/>
       </p:ext>
     </p:extLst>
   </p:cSld>
@@ -1059,7 +1061,7 @@
     </p:spTree>
     <p:extLst>
       <p:ext uri="{BB962C8B-B14F-4D97-AF65-F5344CB8AC3E}">
-        <p14:creationId xmlns:p14="http://schemas.microsoft.com/office/powerpoint/2010/main" val="1658620979"/>
+        <p14:creationId xmlns:p14="http://schemas.microsoft.com/office/powerpoint/2010/main" val="673343636"/>
       </p:ext>
     </p:extLst>
   </p:cSld>
@@ -1135,90 +1137,6 @@
             <a:fld id="{CCE2654D-065C-FB40-B84F-3A1003734F7D}" type="slidenum">
               <a:rPr lang="en-US" smtClean="0"/>
               <a:t>16</a:t>
-            </a:fld>
-            <a:endParaRPr lang="en-US"/>
-          </a:p>
-        </p:txBody>
-      </p:sp>
-    </p:spTree>
-    <p:extLst>
-      <p:ext uri="{BB962C8B-B14F-4D97-AF65-F5344CB8AC3E}">
-        <p14:creationId xmlns:p14="http://schemas.microsoft.com/office/powerpoint/2010/main" val="673343636"/>
-      </p:ext>
-    </p:extLst>
-  </p:cSld>
-  <p:clrMapOvr>
-    <a:masterClrMapping/>
-  </p:clrMapOvr>
-</p:notes>
-</file>
-
-<file path=ppt/notesSlides/notesSlide17.xml><?xml version="1.0" encoding="utf-8"?>
-<p:notes xmlns:a="http://schemas.openxmlformats.org/drawingml/2006/main" xmlns:r="http://schemas.openxmlformats.org/officeDocument/2006/relationships" xmlns:p="http://schemas.openxmlformats.org/presentationml/2006/main">
-  <p:cSld>
-    <p:spTree>
-      <p:nvGrpSpPr>
-        <p:cNvPr id="1" name=""/>
-        <p:cNvGrpSpPr/>
-        <p:nvPr/>
-      </p:nvGrpSpPr>
-      <p:grpSpPr>
-        <a:xfrm>
-          <a:off x="0" y="0"/>
-          <a:ext cx="0" cy="0"/>
-          <a:chOff x="0" y="0"/>
-          <a:chExt cx="0" cy="0"/>
-        </a:xfrm>
-      </p:grpSpPr>
-      <p:sp>
-        <p:nvSpPr>
-          <p:cNvPr id="2" name="Slide Image Placeholder 1"/>
-          <p:cNvSpPr>
-            <a:spLocks noGrp="1" noRot="1" noChangeAspect="1"/>
-          </p:cNvSpPr>
-          <p:nvPr>
-            <p:ph type="sldImg"/>
-          </p:nvPr>
-        </p:nvSpPr>
-        <p:spPr/>
-      </p:sp>
-      <p:sp>
-        <p:nvSpPr>
-          <p:cNvPr id="3" name="Notes Placeholder 2"/>
-          <p:cNvSpPr>
-            <a:spLocks noGrp="1"/>
-          </p:cNvSpPr>
-          <p:nvPr>
-            <p:ph type="body" idx="1"/>
-          </p:nvPr>
-        </p:nvSpPr>
-        <p:spPr/>
-        <p:txBody>
-          <a:bodyPr/>
-          <a:lstStyle/>
-          <a:p>
-            <a:endParaRPr lang="en-US" dirty="0"/>
-          </a:p>
-        </p:txBody>
-      </p:sp>
-      <p:sp>
-        <p:nvSpPr>
-          <p:cNvPr id="4" name="Slide Number Placeholder 3"/>
-          <p:cNvSpPr>
-            <a:spLocks noGrp="1"/>
-          </p:cNvSpPr>
-          <p:nvPr>
-            <p:ph type="sldNum" sz="quarter" idx="10"/>
-          </p:nvPr>
-        </p:nvSpPr>
-        <p:spPr/>
-        <p:txBody>
-          <a:bodyPr/>
-          <a:lstStyle/>
-          <a:p>
-            <a:fld id="{CCE2654D-065C-FB40-B84F-3A1003734F7D}" type="slidenum">
-              <a:rPr lang="en-US" smtClean="0"/>
-              <a:t>17</a:t>
             </a:fld>
             <a:endParaRPr lang="en-US"/>
           </a:p>
@@ -2040,7 +1958,7 @@
           <a:p>
             <a:fld id="{DA6D7B22-0124-3E43-B8A2-C8DF94FFEE7D}" type="datetimeFigureOut">
               <a:rPr lang="en-US" smtClean="0"/>
-              <a:t>1/26/17</a:t>
+              <a:t>1/27/17</a:t>
             </a:fld>
             <a:endParaRPr lang="en-US"/>
           </a:p>
@@ -2210,7 +2128,7 @@
           <a:p>
             <a:fld id="{DA6D7B22-0124-3E43-B8A2-C8DF94FFEE7D}" type="datetimeFigureOut">
               <a:rPr lang="en-US" smtClean="0"/>
-              <a:t>1/26/17</a:t>
+              <a:t>1/27/17</a:t>
             </a:fld>
             <a:endParaRPr lang="en-US"/>
           </a:p>
@@ -2390,7 +2308,7 @@
           <a:p>
             <a:fld id="{DA6D7B22-0124-3E43-B8A2-C8DF94FFEE7D}" type="datetimeFigureOut">
               <a:rPr lang="en-US" smtClean="0"/>
-              <a:t>1/26/17</a:t>
+              <a:t>1/27/17</a:t>
             </a:fld>
             <a:endParaRPr lang="en-US"/>
           </a:p>
@@ -2560,7 +2478,7 @@
           <a:p>
             <a:fld id="{DA6D7B22-0124-3E43-B8A2-C8DF94FFEE7D}" type="datetimeFigureOut">
               <a:rPr lang="en-US" smtClean="0"/>
-              <a:t>1/26/17</a:t>
+              <a:t>1/27/17</a:t>
             </a:fld>
             <a:endParaRPr lang="en-US"/>
           </a:p>
@@ -2806,7 +2724,7 @@
           <a:p>
             <a:fld id="{DA6D7B22-0124-3E43-B8A2-C8DF94FFEE7D}" type="datetimeFigureOut">
               <a:rPr lang="en-US" smtClean="0"/>
-              <a:t>1/26/17</a:t>
+              <a:t>1/27/17</a:t>
             </a:fld>
             <a:endParaRPr lang="en-US"/>
           </a:p>
@@ -3038,7 +2956,7 @@
           <a:p>
             <a:fld id="{DA6D7B22-0124-3E43-B8A2-C8DF94FFEE7D}" type="datetimeFigureOut">
               <a:rPr lang="en-US" smtClean="0"/>
-              <a:t>1/26/17</a:t>
+              <a:t>1/27/17</a:t>
             </a:fld>
             <a:endParaRPr lang="en-US"/>
           </a:p>
@@ -3405,7 +3323,7 @@
           <a:p>
             <a:fld id="{DA6D7B22-0124-3E43-B8A2-C8DF94FFEE7D}" type="datetimeFigureOut">
               <a:rPr lang="en-US" smtClean="0"/>
-              <a:t>1/26/17</a:t>
+              <a:t>1/27/17</a:t>
             </a:fld>
             <a:endParaRPr lang="en-US"/>
           </a:p>
@@ -3523,7 +3441,7 @@
           <a:p>
             <a:fld id="{DA6D7B22-0124-3E43-B8A2-C8DF94FFEE7D}" type="datetimeFigureOut">
               <a:rPr lang="en-US" smtClean="0"/>
-              <a:t>1/26/17</a:t>
+              <a:t>1/27/17</a:t>
             </a:fld>
             <a:endParaRPr lang="en-US"/>
           </a:p>
@@ -3618,7 +3536,7 @@
           <a:p>
             <a:fld id="{DA6D7B22-0124-3E43-B8A2-C8DF94FFEE7D}" type="datetimeFigureOut">
               <a:rPr lang="en-US" smtClean="0"/>
-              <a:t>1/26/17</a:t>
+              <a:t>1/27/17</a:t>
             </a:fld>
             <a:endParaRPr lang="en-US"/>
           </a:p>
@@ -3895,7 +3813,7 @@
           <a:p>
             <a:fld id="{DA6D7B22-0124-3E43-B8A2-C8DF94FFEE7D}" type="datetimeFigureOut">
               <a:rPr lang="en-US" smtClean="0"/>
-              <a:t>1/26/17</a:t>
+              <a:t>1/27/17</a:t>
             </a:fld>
             <a:endParaRPr lang="en-US"/>
           </a:p>
@@ -4148,7 +4066,7 @@
           <a:p>
             <a:fld id="{DA6D7B22-0124-3E43-B8A2-C8DF94FFEE7D}" type="datetimeFigureOut">
               <a:rPr lang="en-US" smtClean="0"/>
-              <a:t>1/26/17</a:t>
+              <a:t>1/27/17</a:t>
             </a:fld>
             <a:endParaRPr lang="en-US"/>
           </a:p>
@@ -4361,7 +4279,7 @@
           <a:p>
             <a:fld id="{DA6D7B22-0124-3E43-B8A2-C8DF94FFEE7D}" type="datetimeFigureOut">
               <a:rPr lang="en-US" smtClean="0"/>
-              <a:t>1/26/17</a:t>
+              <a:t>1/27/17</a:t>
             </a:fld>
             <a:endParaRPr lang="en-US"/>
           </a:p>
@@ -5174,11 +5092,7 @@
             </a:pPr>
             <a:r>
               <a:rPr lang="en-US" b="1" dirty="0" smtClean="0"/>
-              <a:t>For handlers </a:t>
-            </a:r>
-            <a:r>
-              <a:rPr lang="en-US" b="1" dirty="0" smtClean="0"/>
-              <a:t>and </a:t>
+              <a:t>For handlers and </a:t>
             </a:r>
             <a:r>
               <a:rPr lang="en-US" b="1" dirty="0" err="1" smtClean="0"/>
@@ -5211,11 +5125,7 @@
             </a:br>
             <a:r>
               <a:rPr lang="en-US" b="1" dirty="0" smtClean="0"/>
-              <a:t>For checks</a:t>
-            </a:r>
-            <a:r>
-              <a:rPr lang="en-US" b="1" dirty="0" smtClean="0"/>
-              <a:t>:</a:t>
+              <a:t>For checks:</a:t>
             </a:r>
             <a:r>
               <a:rPr lang="en-US" dirty="0" smtClean="0"/>
@@ -5522,11 +5432,7 @@
             </a:r>
             <a:r>
               <a:rPr lang="en-US" dirty="0" smtClean="0"/>
-              <a:t> Plugins</a:t>
-            </a:r>
-            <a:r>
-              <a:rPr lang="en-US" dirty="0" smtClean="0"/>
-              <a:t>.</a:t>
+              <a:t> Plugins.</a:t>
             </a:r>
             <a:endParaRPr lang="en-US" dirty="0"/>
           </a:p>
@@ -5657,7 +5563,6 @@
               <a:rPr lang="en-US" dirty="0" smtClean="0"/>
               <a:t>to verify that your installation was successful </a:t>
             </a:r>
-            <a:endParaRPr lang="en-US" dirty="0" smtClean="0"/>
           </a:p>
         </p:txBody>
       </p:sp>
@@ -5726,137 +5631,6 @@
                   <a:schemeClr val="accent6"/>
                 </a:solidFill>
               </a:rPr>
-              <a:t>I knew all of this already</a:t>
-            </a:r>
-            <a:br>
-              <a:rPr lang="en-US" dirty="0" smtClean="0">
-                <a:solidFill>
-                  <a:schemeClr val="accent6"/>
-                </a:solidFill>
-              </a:rPr>
-            </a:br>
-            <a:r>
-              <a:rPr lang="en-US" dirty="0" smtClean="0">
-                <a:solidFill>
-                  <a:schemeClr val="accent6"/>
-                </a:solidFill>
-              </a:rPr>
-              <a:t>When are you going to start speaking about the shit that you did?</a:t>
-            </a:r>
-            <a:endParaRPr lang="en-US" dirty="0">
-              <a:solidFill>
-                <a:schemeClr val="accent6"/>
-              </a:solidFill>
-            </a:endParaRPr>
-          </a:p>
-        </p:txBody>
-      </p:sp>
-      <p:sp>
-        <p:nvSpPr>
-          <p:cNvPr id="3" name="Content Placeholder 2"/>
-          <p:cNvSpPr>
-            <a:spLocks noGrp="1"/>
-          </p:cNvSpPr>
-          <p:nvPr>
-            <p:ph idx="1"/>
-          </p:nvPr>
-        </p:nvSpPr>
-        <p:spPr>
-          <a:xfrm>
-            <a:off x="524289" y="1950720"/>
-            <a:ext cx="10829511" cy="2493689"/>
-          </a:xfrm>
-        </p:spPr>
-        <p:txBody>
-          <a:bodyPr>
-            <a:normAutofit/>
-          </a:bodyPr>
-          <a:lstStyle/>
-          <a:p>
-            <a:pPr marL="0" indent="0">
-              <a:buNone/>
-            </a:pPr>
-            <a:endParaRPr lang="en-US" dirty="0" smtClean="0"/>
-          </a:p>
-          <a:p>
-            <a:pPr marL="0" indent="0">
-              <a:buNone/>
-            </a:pPr>
-            <a:endParaRPr lang="en-US" dirty="0" smtClean="0"/>
-          </a:p>
-          <a:p>
-            <a:pPr marL="0" indent="0">
-              <a:buNone/>
-            </a:pPr>
-            <a:endParaRPr lang="en-US" dirty="0" smtClean="0"/>
-          </a:p>
-        </p:txBody>
-      </p:sp>
-    </p:spTree>
-    <p:extLst>
-      <p:ext uri="{BB962C8B-B14F-4D97-AF65-F5344CB8AC3E}">
-        <p14:creationId xmlns:p14="http://schemas.microsoft.com/office/powerpoint/2010/main" val="1448693571"/>
-      </p:ext>
-    </p:extLst>
-  </p:cSld>
-  <p:clrMapOvr>
-    <a:masterClrMapping/>
-  </p:clrMapOvr>
-  <p:timing>
-    <p:tnLst>
-      <p:par>
-        <p:cTn id="1" dur="indefinite" restart="never" nodeType="tmRoot"/>
-      </p:par>
-    </p:tnLst>
-  </p:timing>
-</p:sld>
-</file>
-
-<file path=ppt/slides/slide14.xml><?xml version="1.0" encoding="utf-8"?>
-<p:sld xmlns:a="http://schemas.openxmlformats.org/drawingml/2006/main" xmlns:r="http://schemas.openxmlformats.org/officeDocument/2006/relationships" xmlns:p="http://schemas.openxmlformats.org/presentationml/2006/main">
-  <p:cSld>
-    <p:spTree>
-      <p:nvGrpSpPr>
-        <p:cNvPr id="1" name=""/>
-        <p:cNvGrpSpPr/>
-        <p:nvPr/>
-      </p:nvGrpSpPr>
-      <p:grpSpPr>
-        <a:xfrm>
-          <a:off x="0" y="0"/>
-          <a:ext cx="0" cy="0"/>
-          <a:chOff x="0" y="0"/>
-          <a:chExt cx="0" cy="0"/>
-        </a:xfrm>
-      </p:grpSpPr>
-      <p:sp>
-        <p:nvSpPr>
-          <p:cNvPr id="2" name="Title 1"/>
-          <p:cNvSpPr>
-            <a:spLocks noGrp="1"/>
-          </p:cNvSpPr>
-          <p:nvPr>
-            <p:ph type="title"/>
-          </p:nvPr>
-        </p:nvSpPr>
-        <p:spPr>
-          <a:xfrm>
-            <a:off x="838200" y="1470911"/>
-            <a:ext cx="10515600" cy="3335005"/>
-          </a:xfrm>
-        </p:spPr>
-        <p:txBody>
-          <a:bodyPr>
-            <a:normAutofit/>
-          </a:bodyPr>
-          <a:lstStyle/>
-          <a:p>
-            <a:r>
-              <a:rPr lang="en-US" dirty="0" smtClean="0">
-                <a:solidFill>
-                  <a:schemeClr val="accent6"/>
-                </a:solidFill>
-              </a:rPr>
               <a:t>Deep dive inside </a:t>
             </a:r>
             <a:r>
@@ -5944,7 +5718,7 @@
 </p:sld>
 </file>
 
-<file path=ppt/slides/slide15.xml><?xml version="1.0" encoding="utf-8"?>
+<file path=ppt/slides/slide14.xml><?xml version="1.0" encoding="utf-8"?>
 <p:sld xmlns:a="http://schemas.openxmlformats.org/drawingml/2006/main" xmlns:r="http://schemas.openxmlformats.org/officeDocument/2006/relationships" xmlns:p="http://schemas.openxmlformats.org/presentationml/2006/main">
   <p:cSld>
     <p:spTree>
@@ -6091,7 +5865,7 @@
 </p:sld>
 </file>
 
-<file path=ppt/slides/slide16.xml><?xml version="1.0" encoding="utf-8"?>
+<file path=ppt/slides/slide15.xml><?xml version="1.0" encoding="utf-8"?>
 <p:sld xmlns:a="http://schemas.openxmlformats.org/drawingml/2006/main" xmlns:r="http://schemas.openxmlformats.org/officeDocument/2006/relationships" xmlns:p="http://schemas.openxmlformats.org/presentationml/2006/main">
   <p:cSld>
     <p:spTree>
@@ -6171,12 +5945,9 @@
             </a:pPr>
             <a:r>
               <a:rPr lang="en-US" dirty="0" smtClean="0"/>
-              <a:t>After 0.5.0 </a:t>
-            </a:r>
-            <a:r>
-              <a:rPr lang="en-US" sz="2400" dirty="0" smtClean="0"/>
-              <a:t>everything will be evaluated as </a:t>
-            </a:r>
+              <a:t>Now</a:t>
+            </a:r>
+            <a:endParaRPr lang="en-US" sz="2400" dirty="0" smtClean="0"/>
           </a:p>
           <a:p>
             <a:pPr marL="0" indent="0">
@@ -6184,11 +5955,7 @@
             </a:pPr>
             <a:r>
               <a:rPr lang="en-US" dirty="0" smtClean="0"/>
-              <a:t>“Percentage of Change</a:t>
-            </a:r>
-            <a:r>
-              <a:rPr lang="en-US" dirty="0" smtClean="0"/>
-              <a:t>”</a:t>
+              <a:t>“Percentage of Change”</a:t>
             </a:r>
           </a:p>
           <a:p>
@@ -6208,7 +5975,6 @@
               <a:rPr lang="en-US" sz="2400" dirty="0" smtClean="0"/>
               <a:t>“Percentage of Difference”</a:t>
             </a:r>
-            <a:endParaRPr lang="en-US" sz="2400" dirty="0" smtClean="0"/>
           </a:p>
         </p:txBody>
       </p:sp>
@@ -6228,8 +5994,8 @@
         </p:blipFill>
         <p:spPr>
           <a:xfrm>
-            <a:off x="8453397" y="365125"/>
-            <a:ext cx="3738603" cy="6091880"/>
+            <a:off x="8057981" y="365125"/>
+            <a:ext cx="4134020" cy="6312122"/>
           </a:xfrm>
           <a:prstGeom prst="rect">
             <a:avLst/>
@@ -6252,8 +6018,8 @@
         </p:blipFill>
         <p:spPr>
           <a:xfrm>
-            <a:off x="4830079" y="365125"/>
-            <a:ext cx="3227901" cy="6474940"/>
+            <a:off x="4316819" y="365125"/>
+            <a:ext cx="3741161" cy="6474940"/>
           </a:xfrm>
           <a:prstGeom prst="rect">
             <a:avLst/>
@@ -6264,6 +6030,199 @@
     <p:extLst>
       <p:ext uri="{BB962C8B-B14F-4D97-AF65-F5344CB8AC3E}">
         <p14:creationId xmlns:p14="http://schemas.microsoft.com/office/powerpoint/2010/main" val="270152542"/>
+      </p:ext>
+    </p:extLst>
+  </p:cSld>
+  <p:clrMapOvr>
+    <a:masterClrMapping/>
+  </p:clrMapOvr>
+  <p:timing>
+    <p:tnLst>
+      <p:par>
+        <p:cTn id="1" dur="indefinite" restart="never" nodeType="tmRoot"/>
+      </p:par>
+    </p:tnLst>
+  </p:timing>
+</p:sld>
+</file>
+
+<file path=ppt/slides/slide16.xml><?xml version="1.0" encoding="utf-8"?>
+<p:sld xmlns:a="http://schemas.openxmlformats.org/drawingml/2006/main" xmlns:r="http://schemas.openxmlformats.org/officeDocument/2006/relationships" xmlns:p="http://schemas.openxmlformats.org/presentationml/2006/main">
+  <p:cSld>
+    <p:spTree>
+      <p:nvGrpSpPr>
+        <p:cNvPr id="1" name=""/>
+        <p:cNvGrpSpPr/>
+        <p:nvPr/>
+      </p:nvGrpSpPr>
+      <p:grpSpPr>
+        <a:xfrm>
+          <a:off x="0" y="0"/>
+          <a:ext cx="0" cy="0"/>
+          <a:chOff x="0" y="0"/>
+          <a:chExt cx="0" cy="0"/>
+        </a:xfrm>
+      </p:grpSpPr>
+      <p:sp>
+        <p:nvSpPr>
+          <p:cNvPr id="2" name="Title 1"/>
+          <p:cNvSpPr>
+            <a:spLocks noGrp="1"/>
+          </p:cNvSpPr>
+          <p:nvPr>
+            <p:ph type="title"/>
+          </p:nvPr>
+        </p:nvSpPr>
+        <p:spPr/>
+        <p:txBody>
+          <a:bodyPr/>
+          <a:lstStyle/>
+          <a:p>
+            <a:r>
+              <a:rPr lang="en-US" dirty="0" smtClean="0">
+                <a:solidFill>
+                  <a:schemeClr val="accent6"/>
+                </a:solidFill>
+              </a:rPr>
+              <a:t>What can we do with Influx DB?</a:t>
+            </a:r>
+            <a:endParaRPr lang="en-US" dirty="0">
+              <a:solidFill>
+                <a:schemeClr val="accent6"/>
+              </a:solidFill>
+            </a:endParaRPr>
+          </a:p>
+        </p:txBody>
+      </p:sp>
+      <p:sp>
+        <p:nvSpPr>
+          <p:cNvPr id="3" name="Content Placeholder 2"/>
+          <p:cNvSpPr>
+            <a:spLocks noGrp="1"/>
+          </p:cNvSpPr>
+          <p:nvPr>
+            <p:ph idx="1"/>
+          </p:nvPr>
+        </p:nvSpPr>
+        <p:spPr>
+          <a:xfrm>
+            <a:off x="162782" y="1950720"/>
+            <a:ext cx="10829511" cy="4145280"/>
+          </a:xfrm>
+        </p:spPr>
+        <p:txBody>
+          <a:bodyPr>
+            <a:normAutofit/>
+          </a:bodyPr>
+          <a:lstStyle/>
+          <a:p>
+            <a:pPr marL="514350" indent="-514350">
+              <a:buAutoNum type="arabicPeriod"/>
+            </a:pPr>
+            <a:endParaRPr lang="en-US" dirty="0"/>
+          </a:p>
+          <a:p>
+            <a:pPr marL="514350" indent="-514350">
+              <a:buAutoNum type="arabicPeriod"/>
+            </a:pPr>
+            <a:endParaRPr lang="en-US" dirty="0" smtClean="0"/>
+          </a:p>
+        </p:txBody>
+      </p:sp>
+      <p:pic>
+        <p:nvPicPr>
+          <p:cNvPr id="4" name="Picture 3"/>
+          <p:cNvPicPr>
+            <a:picLocks noChangeAspect="1"/>
+          </p:cNvPicPr>
+          <p:nvPr/>
+        </p:nvPicPr>
+        <p:blipFill>
+          <a:blip r:embed="rId3">
+            <a:extLst>
+              <a:ext uri="{28A0092B-C50C-407E-A947-70E740481C1C}">
+                <a14:useLocalDpi xmlns:a14="http://schemas.microsoft.com/office/drawing/2010/main" val="0"/>
+              </a:ext>
+            </a:extLst>
+          </a:blip>
+          <a:stretch>
+            <a:fillRect/>
+          </a:stretch>
+        </p:blipFill>
+        <p:spPr>
+          <a:xfrm>
+            <a:off x="635000" y="2332435"/>
+            <a:ext cx="10915650" cy="1055846"/>
+          </a:xfrm>
+          <a:prstGeom prst="rect">
+            <a:avLst/>
+          </a:prstGeom>
+        </p:spPr>
+      </p:pic>
+      <p:pic>
+        <p:nvPicPr>
+          <p:cNvPr id="5" name="Picture 4"/>
+          <p:cNvPicPr>
+            <a:picLocks noChangeAspect="1"/>
+          </p:cNvPicPr>
+          <p:nvPr/>
+        </p:nvPicPr>
+        <p:blipFill>
+          <a:blip r:embed="rId4">
+            <a:extLst>
+              <a:ext uri="{28A0092B-C50C-407E-A947-70E740481C1C}">
+                <a14:useLocalDpi xmlns:a14="http://schemas.microsoft.com/office/drawing/2010/main" val="0"/>
+              </a:ext>
+            </a:extLst>
+          </a:blip>
+          <a:stretch>
+            <a:fillRect/>
+          </a:stretch>
+        </p:blipFill>
+        <p:spPr>
+          <a:xfrm>
+            <a:off x="635000" y="5505450"/>
+            <a:ext cx="10915650" cy="849630"/>
+          </a:xfrm>
+          <a:prstGeom prst="rect">
+            <a:avLst/>
+          </a:prstGeom>
+        </p:spPr>
+      </p:pic>
+      <p:pic>
+        <p:nvPicPr>
+          <p:cNvPr id="6" name="Picture 5"/>
+          <p:cNvPicPr>
+            <a:picLocks noChangeAspect="1"/>
+          </p:cNvPicPr>
+          <p:nvPr/>
+        </p:nvPicPr>
+        <p:blipFill>
+          <a:blip r:embed="rId5">
+            <a:extLst>
+              <a:ext uri="{28A0092B-C50C-407E-A947-70E740481C1C}">
+                <a14:useLocalDpi xmlns:a14="http://schemas.microsoft.com/office/drawing/2010/main" val="0"/>
+              </a:ext>
+            </a:extLst>
+          </a:blip>
+          <a:stretch>
+            <a:fillRect/>
+          </a:stretch>
+        </p:blipFill>
+        <p:spPr>
+          <a:xfrm>
+            <a:off x="635000" y="4046220"/>
+            <a:ext cx="10915650" cy="652938"/>
+          </a:xfrm>
+          <a:prstGeom prst="rect">
+            <a:avLst/>
+          </a:prstGeom>
+        </p:spPr>
+      </p:pic>
+    </p:spTree>
+    <p:extLst>
+      <p:ext uri="{BB962C8B-B14F-4D97-AF65-F5344CB8AC3E}">
+        <p14:creationId xmlns:p14="http://schemas.microsoft.com/office/powerpoint/2010/main" val="1512610358"/>
       </p:ext>
     </p:extLst>
   </p:cSld>
@@ -6307,6 +6266,141 @@
             <p:ph type="title"/>
           </p:nvPr>
         </p:nvSpPr>
+        <p:spPr>
+          <a:xfrm>
+            <a:off x="838200" y="500062"/>
+            <a:ext cx="10515600" cy="1325563"/>
+          </a:xfrm>
+        </p:spPr>
+        <p:txBody>
+          <a:bodyPr/>
+          <a:lstStyle/>
+          <a:p>
+            <a:r>
+              <a:rPr lang="en-US" dirty="0" smtClean="0"/>
+              <a:t>Show me the code!</a:t>
+            </a:r>
+            <a:endParaRPr lang="en-US" dirty="0"/>
+          </a:p>
+        </p:txBody>
+      </p:sp>
+      <p:sp>
+        <p:nvSpPr>
+          <p:cNvPr id="3" name="Content Placeholder 2"/>
+          <p:cNvSpPr>
+            <a:spLocks noGrp="1"/>
+          </p:cNvSpPr>
+          <p:nvPr>
+            <p:ph idx="1"/>
+          </p:nvPr>
+        </p:nvSpPr>
+        <p:spPr>
+          <a:xfrm>
+            <a:off x="838200" y="2834639"/>
+            <a:ext cx="10515600" cy="1737361"/>
+          </a:xfrm>
+        </p:spPr>
+        <p:txBody>
+          <a:bodyPr>
+            <a:normAutofit fontScale="92500" lnSpcReduction="20000"/>
+          </a:bodyPr>
+          <a:lstStyle/>
+          <a:p>
+            <a:pPr marL="0" indent="0">
+              <a:buNone/>
+            </a:pPr>
+            <a:r>
+              <a:rPr lang="en-US" dirty="0">
+                <a:hlinkClick r:id="rId2"/>
+              </a:rPr>
+              <a:t>https://</a:t>
+            </a:r>
+            <a:r>
+              <a:rPr lang="en-US" dirty="0" smtClean="0">
+                <a:hlinkClick r:id="rId2"/>
+              </a:rPr>
+              <a:t>github.com/pliyosenpai/sensu-plugins-influxdb-metrics-checker</a:t>
+            </a:r>
+            <a:endParaRPr lang="en-US" dirty="0" smtClean="0"/>
+          </a:p>
+          <a:p>
+            <a:pPr marL="0" indent="0">
+              <a:buNone/>
+            </a:pPr>
+            <a:endParaRPr lang="en-US" dirty="0"/>
+          </a:p>
+          <a:p>
+            <a:pPr marL="0" indent="0">
+              <a:buNone/>
+            </a:pPr>
+            <a:endParaRPr lang="en-US" dirty="0" smtClean="0"/>
+          </a:p>
+          <a:p>
+            <a:pPr marL="0" indent="0">
+              <a:buNone/>
+            </a:pPr>
+            <a:r>
+              <a:rPr lang="en-US" dirty="0">
+                <a:hlinkClick r:id="rId3"/>
+              </a:rPr>
+              <a:t>https://</a:t>
+            </a:r>
+            <a:r>
+              <a:rPr lang="en-US" dirty="0" smtClean="0">
+                <a:hlinkClick r:id="rId3"/>
+              </a:rPr>
+              <a:t>github.com/pliyosenpai/presentations</a:t>
+            </a:r>
+            <a:endParaRPr lang="en-US" dirty="0" smtClean="0"/>
+          </a:p>
+          <a:p>
+            <a:pPr marL="0" indent="0">
+              <a:buNone/>
+            </a:pPr>
+            <a:endParaRPr lang="en-US" dirty="0" smtClean="0"/>
+          </a:p>
+        </p:txBody>
+      </p:sp>
+    </p:spTree>
+    <p:extLst>
+      <p:ext uri="{BB962C8B-B14F-4D97-AF65-F5344CB8AC3E}">
+        <p14:creationId xmlns:p14="http://schemas.microsoft.com/office/powerpoint/2010/main" val="1953457792"/>
+      </p:ext>
+    </p:extLst>
+  </p:cSld>
+  <p:clrMapOvr>
+    <a:masterClrMapping/>
+  </p:clrMapOvr>
+</p:sld>
+</file>
+
+<file path=ppt/slides/slide18.xml><?xml version="1.0" encoding="utf-8"?>
+<p:sld xmlns:a="http://schemas.openxmlformats.org/drawingml/2006/main" xmlns:r="http://schemas.openxmlformats.org/officeDocument/2006/relationships" xmlns:p="http://schemas.openxmlformats.org/presentationml/2006/main">
+  <p:cSld>
+    <p:spTree>
+      <p:nvGrpSpPr>
+        <p:cNvPr id="1" name=""/>
+        <p:cNvGrpSpPr/>
+        <p:nvPr/>
+      </p:nvGrpSpPr>
+      <p:grpSpPr>
+        <a:xfrm>
+          <a:off x="0" y="0"/>
+          <a:ext cx="0" cy="0"/>
+          <a:chOff x="0" y="0"/>
+          <a:chExt cx="0" cy="0"/>
+        </a:xfrm>
+      </p:grpSpPr>
+      <p:sp>
+        <p:nvSpPr>
+          <p:cNvPr id="2" name="Title 1"/>
+          <p:cNvSpPr>
+            <a:spLocks noGrp="1"/>
+          </p:cNvSpPr>
+          <p:nvPr>
+            <p:ph type="title"/>
+          </p:nvPr>
+        </p:nvSpPr>
         <p:spPr/>
         <p:txBody>
           <a:bodyPr/>
@@ -6318,7 +6412,7 @@
                   <a:schemeClr val="accent6"/>
                 </a:solidFill>
               </a:rPr>
-              <a:t>What can we do with Influx DB?</a:t>
+              <a:t>What’s next?</a:t>
             </a:r>
             <a:endParaRPr lang="en-US" dirty="0">
               <a:solidFill>
@@ -6338,125 +6432,63 @@
             <p:ph idx="1"/>
           </p:nvPr>
         </p:nvSpPr>
-        <p:spPr>
-          <a:xfrm>
-            <a:off x="162782" y="1950720"/>
-            <a:ext cx="10829511" cy="4145280"/>
-          </a:xfrm>
-        </p:spPr>
-        <p:txBody>
-          <a:bodyPr>
-            <a:normAutofit/>
-          </a:bodyPr>
-          <a:lstStyle/>
+        <p:spPr/>
+        <p:txBody>
+          <a:bodyPr/>
+          <a:lstStyle/>
+          <a:p>
+            <a:pPr marL="0" indent="0">
+              <a:buNone/>
+            </a:pPr>
+            <a:r>
+              <a:rPr lang="en-US" dirty="0" smtClean="0"/>
+              <a:t>Incident Management:</a:t>
+            </a:r>
+          </a:p>
           <a:p>
             <a:pPr marL="514350" indent="-514350">
               <a:buAutoNum type="arabicPeriod"/>
             </a:pPr>
-            <a:endParaRPr lang="en-US" dirty="0"/>
-          </a:p>
-          <a:p>
-            <a:pPr marL="514350" indent="-514350">
-              <a:buAutoNum type="arabicPeriod"/>
-            </a:pPr>
-            <a:endParaRPr lang="en-US" dirty="0" smtClean="0"/>
-          </a:p>
-        </p:txBody>
-      </p:sp>
-      <p:pic>
-        <p:nvPicPr>
-          <p:cNvPr id="4" name="Picture 3"/>
-          <p:cNvPicPr>
-            <a:picLocks noChangeAspect="1"/>
-          </p:cNvPicPr>
-          <p:nvPr/>
-        </p:nvPicPr>
-        <p:blipFill>
-          <a:blip r:embed="rId3">
-            <a:extLst>
-              <a:ext uri="{28A0092B-C50C-407E-A947-70E740481C1C}">
-                <a14:useLocalDpi xmlns:a14="http://schemas.microsoft.com/office/drawing/2010/main" val="0"/>
-              </a:ext>
-            </a:extLst>
-          </a:blip>
-          <a:stretch>
-            <a:fillRect/>
-          </a:stretch>
-        </p:blipFill>
-        <p:spPr>
-          <a:xfrm>
-            <a:off x="838200" y="2191703"/>
-            <a:ext cx="10915650" cy="552450"/>
-          </a:xfrm>
-          <a:prstGeom prst="rect">
-            <a:avLst/>
-          </a:prstGeom>
-        </p:spPr>
-      </p:pic>
-      <p:pic>
-        <p:nvPicPr>
-          <p:cNvPr id="5" name="Picture 4"/>
-          <p:cNvPicPr>
-            <a:picLocks noChangeAspect="1"/>
-          </p:cNvPicPr>
-          <p:nvPr/>
-        </p:nvPicPr>
-        <p:blipFill>
-          <a:blip r:embed="rId4">
-            <a:extLst>
-              <a:ext uri="{28A0092B-C50C-407E-A947-70E740481C1C}">
-                <a14:useLocalDpi xmlns:a14="http://schemas.microsoft.com/office/drawing/2010/main" val="0"/>
-              </a:ext>
-            </a:extLst>
-          </a:blip>
-          <a:stretch>
-            <a:fillRect/>
-          </a:stretch>
-        </p:blipFill>
-        <p:spPr>
-          <a:xfrm>
-            <a:off x="635000" y="5505450"/>
-            <a:ext cx="10915650" cy="590550"/>
-          </a:xfrm>
-          <a:prstGeom prst="rect">
-            <a:avLst/>
-          </a:prstGeom>
-        </p:spPr>
-      </p:pic>
-      <p:pic>
-        <p:nvPicPr>
-          <p:cNvPr id="6" name="Picture 5"/>
-          <p:cNvPicPr>
-            <a:picLocks noChangeAspect="1"/>
-          </p:cNvPicPr>
-          <p:nvPr/>
-        </p:nvPicPr>
-        <p:blipFill>
-          <a:blip r:embed="rId5">
-            <a:extLst>
-              <a:ext uri="{28A0092B-C50C-407E-A947-70E740481C1C}">
-                <a14:useLocalDpi xmlns:a14="http://schemas.microsoft.com/office/drawing/2010/main" val="0"/>
-              </a:ext>
-            </a:extLst>
-          </a:blip>
-          <a:stretch>
-            <a:fillRect/>
-          </a:stretch>
-        </p:blipFill>
-        <p:spPr>
-          <a:xfrm>
-            <a:off x="635000" y="3910489"/>
-            <a:ext cx="10915650" cy="428625"/>
-          </a:xfrm>
-          <a:prstGeom prst="rect">
-            <a:avLst/>
-          </a:prstGeom>
-        </p:spPr>
-      </p:pic>
+            <a:r>
+              <a:rPr lang="en-US" dirty="0" smtClean="0">
+                <a:hlinkClick r:id="rId2"/>
+              </a:rPr>
+              <a:t>Pragmatic Alert Correlation in Modern Production Environments</a:t>
+            </a:r>
+            <a:r>
+              <a:rPr lang="en-US" dirty="0" smtClean="0"/>
+              <a:t/>
+            </a:r>
+            <a:br>
+              <a:rPr lang="en-US" dirty="0" smtClean="0"/>
+            </a:br>
+            <a:r>
+              <a:rPr lang="en-US" dirty="0" smtClean="0"/>
+              <a:t>(</a:t>
+            </a:r>
+            <a:r>
+              <a:rPr lang="en-US" dirty="0" err="1" smtClean="0"/>
+              <a:t>Elik</a:t>
+            </a:r>
+            <a:r>
+              <a:rPr lang="en-US" dirty="0" smtClean="0"/>
+              <a:t> </a:t>
+            </a:r>
+            <a:r>
+              <a:rPr lang="en-US" dirty="0" err="1" smtClean="0"/>
+              <a:t>Eizenberg</a:t>
+            </a:r>
+            <a:r>
+              <a:rPr lang="en-US" dirty="0" smtClean="0"/>
+              <a:t>)</a:t>
+            </a:r>
+          </a:p>
+        </p:txBody>
+      </p:sp>
     </p:spTree>
     <p:extLst>
       <p:ext uri="{BB962C8B-B14F-4D97-AF65-F5344CB8AC3E}">
-        <p14:creationId xmlns:p14="http://schemas.microsoft.com/office/powerpoint/2010/main" val="1512610358"/>
+        <p14:creationId xmlns:p14="http://schemas.microsoft.com/office/powerpoint/2010/main" val="909995732"/>
       </p:ext>
     </p:extLst>
   </p:cSld>
@@ -6470,6 +6502,101 @@
       </p:par>
     </p:tnLst>
   </p:timing>
+</p:sld>
+</file>
+
+<file path=ppt/slides/slide19.xml><?xml version="1.0" encoding="utf-8"?>
+<p:sld xmlns:a="http://schemas.openxmlformats.org/drawingml/2006/main" xmlns:r="http://schemas.openxmlformats.org/officeDocument/2006/relationships" xmlns:p="http://schemas.openxmlformats.org/presentationml/2006/main">
+  <p:cSld>
+    <p:spTree>
+      <p:nvGrpSpPr>
+        <p:cNvPr id="1" name=""/>
+        <p:cNvGrpSpPr/>
+        <p:nvPr/>
+      </p:nvGrpSpPr>
+      <p:grpSpPr>
+        <a:xfrm>
+          <a:off x="0" y="0"/>
+          <a:ext cx="0" cy="0"/>
+          <a:chOff x="0" y="0"/>
+          <a:chExt cx="0" cy="0"/>
+        </a:xfrm>
+      </p:grpSpPr>
+      <p:sp>
+        <p:nvSpPr>
+          <p:cNvPr id="2" name="Title 1"/>
+          <p:cNvSpPr>
+            <a:spLocks noGrp="1"/>
+          </p:cNvSpPr>
+          <p:nvPr>
+            <p:ph type="title"/>
+          </p:nvPr>
+        </p:nvSpPr>
+        <p:spPr>
+          <a:xfrm>
+            <a:off x="4010576" y="901822"/>
+            <a:ext cx="10515600" cy="1325563"/>
+          </a:xfrm>
+        </p:spPr>
+        <p:txBody>
+          <a:bodyPr/>
+          <a:lstStyle/>
+          <a:p>
+            <a:r>
+              <a:rPr lang="en-US" dirty="0" smtClean="0">
+                <a:solidFill>
+                  <a:schemeClr val="accent6"/>
+                </a:solidFill>
+              </a:rPr>
+              <a:t>THANKS!</a:t>
+            </a:r>
+            <a:endParaRPr lang="en-US" dirty="0">
+              <a:solidFill>
+                <a:schemeClr val="accent6"/>
+              </a:solidFill>
+            </a:endParaRPr>
+          </a:p>
+        </p:txBody>
+      </p:sp>
+      <p:pic>
+        <p:nvPicPr>
+          <p:cNvPr id="4" name="Content Placeholder 3"/>
+          <p:cNvPicPr>
+            <a:picLocks noGrp="1" noChangeAspect="1"/>
+          </p:cNvPicPr>
+          <p:nvPr>
+            <p:ph idx="1"/>
+          </p:nvPr>
+        </p:nvPicPr>
+        <p:blipFill>
+          <a:blip r:embed="rId2">
+            <a:extLst>
+              <a:ext uri="{28A0092B-C50C-407E-A947-70E740481C1C}">
+                <a14:useLocalDpi xmlns:a14="http://schemas.microsoft.com/office/drawing/2010/main" val="0"/>
+              </a:ext>
+            </a:extLst>
+          </a:blip>
+          <a:stretch>
+            <a:fillRect/>
+          </a:stretch>
+        </p:blipFill>
+        <p:spPr>
+          <a:xfrm>
+            <a:off x="3588545" y="1899140"/>
+            <a:ext cx="2487858" cy="2487858"/>
+          </a:xfrm>
+        </p:spPr>
+      </p:pic>
+    </p:spTree>
+    <p:extLst>
+      <p:ext uri="{BB962C8B-B14F-4D97-AF65-F5344CB8AC3E}">
+        <p14:creationId xmlns:p14="http://schemas.microsoft.com/office/powerpoint/2010/main" val="1138628073"/>
+      </p:ext>
+    </p:extLst>
+  </p:cSld>
+  <p:clrMapOvr>
+    <a:masterClrMapping/>
+  </p:clrMapOvr>
 </p:sld>
 </file>
 
@@ -6663,15 +6790,7 @@
             </a:r>
             <a:r>
               <a:rPr lang="en-US" i="1" dirty="0" smtClean="0"/>
-              <a:t>the way </a:t>
-            </a:r>
-            <a:r>
-              <a:rPr lang="en-US" i="1" dirty="0" smtClean="0"/>
-              <a:t>we </a:t>
-            </a:r>
-            <a:r>
-              <a:rPr lang="en-US" i="1" dirty="0" smtClean="0"/>
-              <a:t>develop changed</a:t>
+              <a:t>the way we develop changed</a:t>
             </a:r>
             <a:r>
               <a:rPr lang="en-US" dirty="0" smtClean="0"/>
@@ -6929,11 +7048,7 @@
             </a:pPr>
             <a:r>
               <a:rPr lang="en-US" sz="1800" dirty="0" smtClean="0"/>
-              <a:t>A new generation single </a:t>
-            </a:r>
-            <a:r>
-              <a:rPr lang="en-US" sz="1800" dirty="0" smtClean="0"/>
-              <a:t>monitoring platform for your entire business.</a:t>
+              <a:t>A new generation single monitoring platform for your entire business.</a:t>
             </a:r>
           </a:p>
         </p:txBody>
@@ -7298,11 +7413,7 @@
             </a:r>
             <a:r>
               <a:rPr lang="en-US" dirty="0" smtClean="0"/>
-              <a:t>as</a:t>
-            </a:r>
-            <a:r>
-              <a:rPr lang="en-US" dirty="0" smtClean="0"/>
-              <a:t>:</a:t>
+              <a:t>as:</a:t>
             </a:r>
           </a:p>
           <a:p>
@@ -7338,11 +7449,7 @@
             </a:r>
             <a:r>
               <a:rPr lang="en-US" sz="2400" dirty="0" smtClean="0"/>
-              <a:t>: to monitor server resources, services, and application health</a:t>
-            </a:r>
-            <a:r>
-              <a:rPr lang="en-US" sz="2400" dirty="0" smtClean="0"/>
-              <a:t>).</a:t>
+              <a:t>: to monitor server resources, services, and application health).</a:t>
             </a:r>
           </a:p>
           <a:p>
@@ -7378,11 +7485,7 @@
             </a:r>
             <a:r>
               <a:rPr lang="en-US" sz="2400" dirty="0" smtClean="0"/>
-              <a:t> events</a:t>
-            </a:r>
-            <a:r>
-              <a:rPr lang="en-US" sz="2400" dirty="0" smtClean="0"/>
-              <a:t>).</a:t>
+              <a:t> events).</a:t>
             </a:r>
           </a:p>
           <a:p>
@@ -7575,13 +7678,8 @@
             </a:r>
             <a:r>
               <a:rPr lang="en-US" dirty="0" smtClean="0"/>
-              <a:t> development team</a:t>
-            </a:r>
-            <a:r>
-              <a:rPr lang="en-US" dirty="0" smtClean="0"/>
-              <a:t>. So it’s free.</a:t>
-            </a:r>
-            <a:endParaRPr lang="en-US" dirty="0" smtClean="0"/>
+              <a:t> development team. So it’s free.</a:t>
+            </a:r>
           </a:p>
         </p:txBody>
       </p:sp>
@@ -7722,7 +7820,6 @@
               <a:rPr lang="en-US" b="1" dirty="0" smtClean="0"/>
               <a:t>?</a:t>
             </a:r>
-            <a:endParaRPr lang="en-US" b="1" dirty="0" smtClean="0"/>
           </a:p>
           <a:p>
             <a:pPr marL="514350" indent="-514350">
@@ -7897,7 +7994,6 @@
               <a:rPr lang="en-US" b="1" dirty="0" smtClean="0"/>
               <a:t>?</a:t>
             </a:r>
-            <a:endParaRPr lang="en-US" b="1" dirty="0" smtClean="0"/>
           </a:p>
           <a:p>
             <a:pPr marL="514350" indent="-514350">
@@ -8108,7 +8204,6 @@
               <a:rPr lang="en-US" b="1" dirty="0" smtClean="0"/>
               <a:t>How do they look like?</a:t>
             </a:r>
-            <a:endParaRPr lang="en-US" b="1" dirty="0" smtClean="0"/>
           </a:p>
           <a:p>
             <a:pPr marL="0" indent="0">
